--- a/doc/Markx.pptx
+++ b/doc/Markx.pptx
@@ -11,6 +11,7 @@
     <p:sldId id="259" r:id="rId5"/>
     <p:sldId id="260" r:id="rId6"/>
     <p:sldId id="261" r:id="rId7"/>
+    <p:sldId id="262" r:id="rId8"/>
   </p:sldIdLst>
   <p:sldSz cx="12192000" cy="6858000"/>
   <p:notesSz cx="6858000" cy="9144000"/>
@@ -287,7 +288,7 @@
             <a:fld id="{87DE6118-2437-4B30-8E3C-4D2BE6020583}" type="datetimeFigureOut">
               <a:rPr lang="en-US" dirty="0"/>
               <a:pPr/>
-              <a:t>9/14/2021</a:t>
+              <a:t>10/12/2021</a:t>
             </a:fld>
             <a:endParaRPr lang="en-US" dirty="0"/>
           </a:p>
@@ -613,7 +614,7 @@
           <a:p>
             <a:fld id="{87DE6118-2437-4B30-8E3C-4D2BE6020583}" type="datetimeFigureOut">
               <a:rPr lang="en-US" dirty="0"/>
-              <a:t>9/14/2021</a:t>
+              <a:t>10/12/2021</a:t>
             </a:fld>
             <a:endParaRPr lang="en-US" dirty="0"/>
           </a:p>
@@ -788,7 +789,7 @@
           <a:p>
             <a:fld id="{87DE6118-2437-4B30-8E3C-4D2BE6020583}" type="datetimeFigureOut">
               <a:rPr lang="en-US" dirty="0"/>
-              <a:t>9/14/2021</a:t>
+              <a:t>10/12/2021</a:t>
             </a:fld>
             <a:endParaRPr lang="en-US" dirty="0"/>
           </a:p>
@@ -953,7 +954,7 @@
           <a:p>
             <a:fld id="{87DE6118-2437-4B30-8E3C-4D2BE6020583}" type="datetimeFigureOut">
               <a:rPr lang="en-US" dirty="0"/>
-              <a:t>9/14/2021</a:t>
+              <a:t>10/12/2021</a:t>
             </a:fld>
             <a:endParaRPr lang="en-US" dirty="0"/>
           </a:p>
@@ -1226,7 +1227,7 @@
             <a:fld id="{87DE6118-2437-4B30-8E3C-4D2BE6020583}" type="datetimeFigureOut">
               <a:rPr lang="en-US" dirty="0"/>
               <a:pPr/>
-              <a:t>9/14/2021</a:t>
+              <a:t>10/12/2021</a:t>
             </a:fld>
             <a:endParaRPr lang="en-US" dirty="0"/>
           </a:p>
@@ -1616,7 +1617,7 @@
           <a:p>
             <a:fld id="{87DE6118-2437-4B30-8E3C-4D2BE6020583}" type="datetimeFigureOut">
               <a:rPr lang="en-US" dirty="0"/>
-              <a:t>9/14/2021</a:t>
+              <a:t>10/12/2021</a:t>
             </a:fld>
             <a:endParaRPr lang="en-US" dirty="0"/>
           </a:p>
@@ -2088,7 +2089,7 @@
           <a:p>
             <a:fld id="{87DE6118-2437-4B30-8E3C-4D2BE6020583}" type="datetimeFigureOut">
               <a:rPr lang="en-US" dirty="0"/>
-              <a:t>9/14/2021</a:t>
+              <a:t>10/12/2021</a:t>
             </a:fld>
             <a:endParaRPr lang="en-US" dirty="0"/>
           </a:p>
@@ -2201,7 +2202,7 @@
           <a:p>
             <a:fld id="{87DE6118-2437-4B30-8E3C-4D2BE6020583}" type="datetimeFigureOut">
               <a:rPr lang="en-US" dirty="0"/>
-              <a:t>9/14/2021</a:t>
+              <a:t>10/12/2021</a:t>
             </a:fld>
             <a:endParaRPr lang="en-US" dirty="0"/>
           </a:p>
@@ -2291,7 +2292,7 @@
           <a:p>
             <a:fld id="{87DE6118-2437-4B30-8E3C-4D2BE6020583}" type="datetimeFigureOut">
               <a:rPr lang="en-US" dirty="0"/>
-              <a:t>9/14/2021</a:t>
+              <a:t>10/12/2021</a:t>
             </a:fld>
             <a:endParaRPr lang="en-US" dirty="0"/>
           </a:p>
@@ -2633,7 +2634,7 @@
             <a:fld id="{87DE6118-2437-4B30-8E3C-4D2BE6020583}" type="datetimeFigureOut">
               <a:rPr lang="en-US" dirty="0"/>
               <a:pPr/>
-              <a:t>9/14/2021</a:t>
+              <a:t>10/12/2021</a:t>
             </a:fld>
             <a:endParaRPr lang="en-US" dirty="0"/>
           </a:p>
@@ -3018,7 +3019,7 @@
             <a:fld id="{87DE6118-2437-4B30-8E3C-4D2BE6020583}" type="datetimeFigureOut">
               <a:rPr lang="en-US" dirty="0"/>
               <a:pPr/>
-              <a:t>9/14/2021</a:t>
+              <a:t>10/12/2021</a:t>
             </a:fld>
             <a:endParaRPr lang="en-US" dirty="0"/>
           </a:p>
@@ -3293,7 +3294,7 @@
             <a:fld id="{87DE6118-2437-4B30-8E3C-4D2BE6020583}" type="datetimeFigureOut">
               <a:rPr lang="en-US" dirty="0"/>
               <a:pPr/>
-              <a:t>9/14/2021</a:t>
+              <a:t>10/12/2021</a:t>
             </a:fld>
             <a:endParaRPr lang="en-US" dirty="0"/>
           </a:p>
@@ -4518,6 +4519,118 @@
 </p:sld>
 </file>
 
+<file path=ppt/slides/slide7.xml><?xml version="1.0" encoding="utf-8"?>
+<p:sld xmlns:a="http://schemas.openxmlformats.org/drawingml/2006/main" xmlns:r="http://schemas.openxmlformats.org/officeDocument/2006/relationships" xmlns:p="http://schemas.openxmlformats.org/presentationml/2006/main">
+  <p:cSld>
+    <p:spTree>
+      <p:nvGrpSpPr>
+        <p:cNvPr id="1" name=""/>
+        <p:cNvGrpSpPr/>
+        <p:nvPr/>
+      </p:nvGrpSpPr>
+      <p:grpSpPr>
+        <a:xfrm>
+          <a:off x="0" y="0"/>
+          <a:ext cx="0" cy="0"/>
+          <a:chOff x="0" y="0"/>
+          <a:chExt cx="0" cy="0"/>
+        </a:xfrm>
+      </p:grpSpPr>
+      <p:sp>
+        <p:nvSpPr>
+          <p:cNvPr id="2" name="标题 1">
+            <a:extLst>
+              <a:ext uri="{FF2B5EF4-FFF2-40B4-BE49-F238E27FC236}">
+                <a16:creationId xmlns:a16="http://schemas.microsoft.com/office/drawing/2014/main" id="{B7648DE2-B787-4955-956B-3EC7F16ACABA}"/>
+              </a:ext>
+            </a:extLst>
+          </p:cNvPr>
+          <p:cNvSpPr>
+            <a:spLocks noGrp="1"/>
+          </p:cNvSpPr>
+          <p:nvPr>
+            <p:ph type="title"/>
+          </p:nvPr>
+        </p:nvSpPr>
+        <p:spPr/>
+        <p:txBody>
+          <a:bodyPr/>
+          <a:lstStyle/>
+          <a:p>
+            <a:r>
+              <a:rPr lang="zh-CN" altLang="en-US" dirty="0"/>
+              <a:t>中期报告</a:t>
+            </a:r>
+          </a:p>
+        </p:txBody>
+      </p:sp>
+      <p:sp>
+        <p:nvSpPr>
+          <p:cNvPr id="3" name="内容占位符 2">
+            <a:extLst>
+              <a:ext uri="{FF2B5EF4-FFF2-40B4-BE49-F238E27FC236}">
+                <a16:creationId xmlns:a16="http://schemas.microsoft.com/office/drawing/2014/main" id="{EDE51B88-89E3-430B-8B01-E0808871998F}"/>
+              </a:ext>
+            </a:extLst>
+          </p:cNvPr>
+          <p:cNvSpPr>
+            <a:spLocks noGrp="1"/>
+          </p:cNvSpPr>
+          <p:nvPr>
+            <p:ph idx="1"/>
+          </p:nvPr>
+        </p:nvSpPr>
+        <p:spPr/>
+        <p:txBody>
+          <a:bodyPr/>
+          <a:lstStyle/>
+          <a:p>
+            <a:r>
+              <a:rPr lang="en-US" altLang="zh-CN" dirty="0"/>
+              <a:t>1. </a:t>
+            </a:r>
+            <a:r>
+              <a:rPr lang="zh-CN" altLang="en-US" dirty="0"/>
+              <a:t>文档</a:t>
+            </a:r>
+            <a:endParaRPr lang="en-US" altLang="zh-CN" dirty="0"/>
+          </a:p>
+          <a:p>
+            <a:r>
+              <a:rPr lang="en-US" altLang="zh-CN" dirty="0"/>
+              <a:t>2. </a:t>
+            </a:r>
+            <a:r>
+              <a:rPr lang="zh-CN" altLang="en-US" dirty="0"/>
+              <a:t>代码</a:t>
+            </a:r>
+            <a:endParaRPr lang="en-US" altLang="zh-CN" dirty="0"/>
+          </a:p>
+          <a:p>
+            <a:r>
+              <a:rPr lang="en-US" altLang="zh-CN" dirty="0"/>
+              <a:t>3.</a:t>
+            </a:r>
+            <a:r>
+              <a:rPr lang="zh-CN" altLang="en-US" dirty="0"/>
+              <a:t>测试</a:t>
+            </a:r>
+          </a:p>
+        </p:txBody>
+      </p:sp>
+    </p:spTree>
+    <p:extLst>
+      <p:ext uri="{BB962C8B-B14F-4D97-AF65-F5344CB8AC3E}">
+        <p14:creationId xmlns:p14="http://schemas.microsoft.com/office/powerpoint/2010/main" val="1974717878"/>
+      </p:ext>
+    </p:extLst>
+  </p:cSld>
+  <p:clrMapOvr>
+    <a:masterClrMapping/>
+  </p:clrMapOvr>
+</p:sld>
+</file>
+
 <file path=ppt/theme/theme1.xml><?xml version="1.0" encoding="utf-8"?>
 <a:theme xmlns:a="http://schemas.openxmlformats.org/drawingml/2006/main" name="剪切">
   <a:themeElements>

--- a/doc/Markx.pptx
+++ b/doc/Markx.pptx
@@ -12,6 +12,7 @@
     <p:sldId id="260" r:id="rId6"/>
     <p:sldId id="261" r:id="rId7"/>
     <p:sldId id="262" r:id="rId8"/>
+    <p:sldId id="263" r:id="rId9"/>
   </p:sldIdLst>
   <p:sldSz cx="12192000" cy="6858000"/>
   <p:notesSz cx="6858000" cy="9144000"/>
@@ -4631,6 +4632,93 @@
 </p:sld>
 </file>
 
+<file path=ppt/slides/slide8.xml><?xml version="1.0" encoding="utf-8"?>
+<p:sld xmlns:a="http://schemas.openxmlformats.org/drawingml/2006/main" xmlns:r="http://schemas.openxmlformats.org/officeDocument/2006/relationships" xmlns:p="http://schemas.openxmlformats.org/presentationml/2006/main">
+  <p:cSld>
+    <p:spTree>
+      <p:nvGrpSpPr>
+        <p:cNvPr id="1" name=""/>
+        <p:cNvGrpSpPr/>
+        <p:nvPr/>
+      </p:nvGrpSpPr>
+      <p:grpSpPr>
+        <a:xfrm>
+          <a:off x="0" y="0"/>
+          <a:ext cx="0" cy="0"/>
+          <a:chOff x="0" y="0"/>
+          <a:chExt cx="0" cy="0"/>
+        </a:xfrm>
+      </p:grpSpPr>
+      <p:sp>
+        <p:nvSpPr>
+          <p:cNvPr id="2" name="标题 1">
+            <a:extLst>
+              <a:ext uri="{FF2B5EF4-FFF2-40B4-BE49-F238E27FC236}">
+                <a16:creationId xmlns:a16="http://schemas.microsoft.com/office/drawing/2014/main" id="{E5A0050D-706C-43B1-B941-BA3CA7C8211A}"/>
+              </a:ext>
+            </a:extLst>
+          </p:cNvPr>
+          <p:cNvSpPr>
+            <a:spLocks noGrp="1"/>
+          </p:cNvSpPr>
+          <p:nvPr>
+            <p:ph type="title"/>
+          </p:nvPr>
+        </p:nvSpPr>
+        <p:spPr/>
+        <p:txBody>
+          <a:bodyPr/>
+          <a:lstStyle/>
+          <a:p>
+            <a:r>
+              <a:rPr lang="zh-CN" altLang="en-US" dirty="0"/>
+              <a:t>测试</a:t>
+            </a:r>
+          </a:p>
+        </p:txBody>
+      </p:sp>
+      <p:pic>
+        <p:nvPicPr>
+          <p:cNvPr id="5" name="内容占位符 4">
+            <a:extLst>
+              <a:ext uri="{FF2B5EF4-FFF2-40B4-BE49-F238E27FC236}">
+                <a16:creationId xmlns:a16="http://schemas.microsoft.com/office/drawing/2014/main" id="{92EFB914-47A3-420B-90E5-EB1456960CE3}"/>
+              </a:ext>
+            </a:extLst>
+          </p:cNvPr>
+          <p:cNvPicPr>
+            <a:picLocks noGrp="1" noChangeAspect="1"/>
+          </p:cNvPicPr>
+          <p:nvPr>
+            <p:ph idx="1"/>
+          </p:nvPr>
+        </p:nvPicPr>
+        <p:blipFill>
+          <a:blip r:embed="rId2"/>
+          <a:stretch>
+            <a:fillRect/>
+          </a:stretch>
+        </p:blipFill>
+        <p:spPr>
+          <a:xfrm>
+            <a:off x="1458259" y="1509992"/>
+            <a:ext cx="8002494" cy="5001560"/>
+          </a:xfrm>
+        </p:spPr>
+      </p:pic>
+    </p:spTree>
+    <p:extLst>
+      <p:ext uri="{BB962C8B-B14F-4D97-AF65-F5344CB8AC3E}">
+        <p14:creationId xmlns:p14="http://schemas.microsoft.com/office/powerpoint/2010/main" val="3929066683"/>
+      </p:ext>
+    </p:extLst>
+  </p:cSld>
+  <p:clrMapOvr>
+    <a:masterClrMapping/>
+  </p:clrMapOvr>
+</p:sld>
+</file>
+
 <file path=ppt/theme/theme1.xml><?xml version="1.0" encoding="utf-8"?>
 <a:theme xmlns:a="http://schemas.openxmlformats.org/drawingml/2006/main" name="剪切">
   <a:themeElements>
